--- a/slides/00_administrativa.pptx
+++ b/slides/00_administrativa.pptx
@@ -3670,7 +3670,7 @@
                 <a:spcPct val="100000"/>
               </a:lnSpc>
             </a:pPr>
-            <a:fld id="{FFAF7956-D6FE-4DF3-A825-76D2061FC704}" type="slidenum">
+            <a:fld id="{51E59084-04CC-4F8A-8BB2-F64AFC111938}" type="slidenum">
               <a:rPr b="1" lang="en-US" sz="1400">
                 <a:solidFill>
                   <a:srgbClr val="ffffff"/>
@@ -4256,7 +4256,7 @@
                 <a:spcPct val="100000"/>
               </a:lnSpc>
             </a:pPr>
-            <a:fld id="{8E18BA2E-FB6B-4EB9-8251-26379B406752}" type="slidenum">
+            <a:fld id="{6D8B749A-59B8-407E-8247-CABCC651DF5A}" type="slidenum">
               <a:rPr b="1" lang="en-US" sz="1400">
                 <a:solidFill>
                   <a:srgbClr val="ffffff"/>
@@ -5220,7 +5220,7 @@
                 <a:spcPct val="100000"/>
               </a:lnSpc>
             </a:pPr>
-            <a:fld id="{C2F4295A-4B16-4418-8F3A-41BD2E924A1D}" type="slidenum">
+            <a:fld id="{C9C3536B-ED79-4E0C-9C3C-45F383FDFA2D}" type="slidenum">
               <a:rPr b="1" lang="en-US" sz="2400">
                 <a:solidFill>
                   <a:srgbClr val="ffffff"/>
@@ -5501,7 +5501,7 @@
               <a:buChar char=""/>
             </a:pPr>
             <a:r>
-              <a:rPr lang="en-US" sz="2400">
+              <a:rPr lang="en-US" sz="3200">
                 <a:solidFill>
                   <a:srgbClr val="292934"/>
                 </a:solidFill>
@@ -5521,7 +5521,7 @@
               <a:buChar char=""/>
             </a:pPr>
             <a:r>
-              <a:rPr lang="en-US" sz="2400">
+              <a:rPr lang="en-US" sz="3200">
                 <a:solidFill>
                   <a:srgbClr val="292934"/>
                 </a:solidFill>
@@ -5541,7 +5541,7 @@
               <a:buChar char=""/>
             </a:pPr>
             <a:r>
-              <a:rPr lang="en-US" sz="2400">
+              <a:rPr lang="en-US" sz="3200">
                 <a:solidFill>
                   <a:srgbClr val="292934"/>
                 </a:solidFill>
@@ -5561,7 +5561,7 @@
               <a:buChar char=""/>
             </a:pPr>
             <a:r>
-              <a:rPr lang="en-US" sz="2400">
+              <a:rPr lang="en-US" sz="3200">
                 <a:solidFill>
                   <a:srgbClr val="292934"/>
                 </a:solidFill>
@@ -5581,7 +5581,7 @@
               <a:buChar char=""/>
             </a:pPr>
             <a:r>
-              <a:rPr lang="en-US" sz="2400">
+              <a:rPr lang="en-US" sz="3200">
                 <a:solidFill>
                   <a:srgbClr val="292934"/>
                 </a:solidFill>
@@ -5705,7 +5705,7 @@
               <a:buChar char=""/>
             </a:pPr>
             <a:r>
-              <a:rPr lang="en-US" sz="2400">
+              <a:rPr lang="en-US" sz="3200">
                 <a:solidFill>
                   <a:srgbClr val="292934"/>
                 </a:solidFill>
@@ -5725,7 +5725,7 @@
               <a:buChar char=""/>
             </a:pPr>
             <a:r>
-              <a:rPr lang="en-US" sz="2400">
+              <a:rPr lang="en-US" sz="3200">
                 <a:solidFill>
                   <a:srgbClr val="292934"/>
                 </a:solidFill>
@@ -5860,7 +5860,7 @@
               <a:buChar char=""/>
             </a:pPr>
             <a:r>
-              <a:rPr lang="en-US" sz="2400">
+              <a:rPr lang="en-US" sz="3200">
                 <a:solidFill>
                   <a:srgbClr val="292934"/>
                 </a:solidFill>
@@ -5880,7 +5880,7 @@
               <a:buChar char=""/>
             </a:pPr>
             <a:r>
-              <a:rPr lang="en-US" sz="2400">
+              <a:rPr lang="en-US" sz="3200">
                 <a:solidFill>
                   <a:srgbClr val="292934"/>
                 </a:solidFill>
@@ -5900,7 +5900,7 @@
               <a:buChar char=""/>
             </a:pPr>
             <a:r>
-              <a:rPr lang="en-US" sz="2400">
+              <a:rPr lang="en-US" sz="3200">
                 <a:solidFill>
                   <a:srgbClr val="292934"/>
                 </a:solidFill>
@@ -5920,7 +5920,7 @@
               <a:buChar char=""/>
             </a:pPr>
             <a:r>
-              <a:rPr lang="en-US" sz="2400">
+              <a:rPr lang="en-US" sz="3200">
                 <a:solidFill>
                   <a:srgbClr val="292934"/>
                 </a:solidFill>
@@ -5940,7 +5940,7 @@
               <a:buChar char=""/>
             </a:pPr>
             <a:r>
-              <a:rPr lang="en-US" sz="2400">
+              <a:rPr lang="en-US" sz="3200">
                 <a:solidFill>
                   <a:srgbClr val="292934"/>
                 </a:solidFill>
@@ -5960,7 +5960,7 @@
               <a:buChar char=""/>
             </a:pPr>
             <a:r>
-              <a:rPr lang="en-US" sz="2400">
+              <a:rPr lang="en-US" sz="3200">
                 <a:solidFill>
                   <a:srgbClr val="292934"/>
                 </a:solidFill>
@@ -6084,7 +6084,7 @@
               <a:buChar char="•"/>
             </a:pPr>
             <a:r>
-              <a:rPr lang="en-US" sz="2400">
+              <a:rPr lang="en-US" sz="3200">
                 <a:solidFill>
                   <a:srgbClr val="292934"/>
                 </a:solidFill>
@@ -6104,7 +6104,7 @@
               <a:buChar char="•"/>
             </a:pPr>
             <a:r>
-              <a:rPr lang="en-US" sz="2400">
+              <a:rPr lang="en-US" sz="3200">
                 <a:solidFill>
                   <a:srgbClr val="292934"/>
                 </a:solidFill>
@@ -6124,7 +6124,7 @@
               <a:buChar char="•"/>
             </a:pPr>
             <a:r>
-              <a:rPr lang="en-US" sz="2400">
+              <a:rPr lang="en-US" sz="3200">
                 <a:solidFill>
                   <a:srgbClr val="292934"/>
                 </a:solidFill>
@@ -6133,7 +6133,7 @@
               <a:t>Ιστοσελίδα: </a:t>
             </a:r>
             <a:r>
-              <a:rPr lang="en-US" sz="2400">
+              <a:rPr lang="en-US" sz="3200">
                 <a:solidFill>
                   <a:srgbClr val="292934"/>
                 </a:solidFill>
@@ -6154,7 +6154,7 @@
               <a:buChar char="•"/>
             </a:pPr>
             <a:r>
-              <a:rPr lang="en-US" sz="2400">
+              <a:rPr lang="en-US" sz="3200">
                 <a:solidFill>
                   <a:srgbClr val="292934"/>
                 </a:solidFill>
@@ -6163,7 +6163,7 @@
               <a:t>Mailing list: </a:t>
             </a:r>
             <a:r>
-              <a:rPr lang="en-US" sz="2400">
+              <a:rPr lang="en-US" sz="3200">
                 <a:solidFill>
                   <a:srgbClr val="292934"/>
                 </a:solidFill>
@@ -6184,7 +6184,7 @@
               <a:buChar char="•"/>
             </a:pPr>
             <a:r>
-              <a:rPr lang="en-US" sz="2400">
+              <a:rPr lang="en-US" sz="3200">
                 <a:solidFill>
                   <a:srgbClr val="292934"/>
                 </a:solidFill>
@@ -6204,7 +6204,7 @@
               <a:buChar char="•"/>
             </a:pPr>
             <a:r>
-              <a:rPr lang="en-US" sz="2400">
+              <a:rPr lang="en-US" sz="3200">
                 <a:solidFill>
                   <a:srgbClr val="292934"/>
                 </a:solidFill>
@@ -6380,7 +6380,7 @@
                 </a:solidFill>
                 <a:latin typeface="Arial"/>
               </a:rPr>
-              <a:t>Παρασκευή – 14 Μαρτίου 2014</a:t>
+              <a:t>Παρασκευή – 14 Φεβρουαρίου 2014</a:t>
             </a:r>
             <a:endParaRPr/>
           </a:p>
@@ -6413,7 +6413,7 @@
               <a:buChar char="•"/>
             </a:pPr>
             <a:r>
-              <a:rPr lang="en-US" sz="2400">
+              <a:rPr lang="en-US" sz="3200">
                 <a:solidFill>
                   <a:srgbClr val="292934"/>
                 </a:solidFill>
@@ -6433,7 +6433,7 @@
               <a:buChar char="•"/>
             </a:pPr>
             <a:r>
-              <a:rPr lang="en-US" sz="2400">
+              <a:rPr lang="en-US" sz="3200">
                 <a:solidFill>
                   <a:srgbClr val="292934"/>
                 </a:solidFill>
@@ -6453,7 +6453,7 @@
               <a:buChar char="•"/>
             </a:pPr>
             <a:r>
-              <a:rPr lang="en-US" sz="2400">
+              <a:rPr lang="en-US" sz="3200">
                 <a:solidFill>
                   <a:srgbClr val="292934"/>
                 </a:solidFill>
@@ -6473,7 +6473,7 @@
               <a:buChar char="•"/>
             </a:pPr>
             <a:r>
-              <a:rPr lang="en-US" sz="2400">
+              <a:rPr lang="en-US" sz="3200">
                 <a:solidFill>
                   <a:srgbClr val="292934"/>
                 </a:solidFill>
@@ -6493,7 +6493,7 @@
               <a:buChar char="•"/>
             </a:pPr>
             <a:r>
-              <a:rPr lang="en-US" sz="2400">
+              <a:rPr lang="en-US" sz="3200">
                 <a:solidFill>
                   <a:srgbClr val="292934"/>
                 </a:solidFill>
@@ -6584,7 +6584,16 @@
                 </a:solidFill>
                 <a:latin typeface="Arial"/>
               </a:rPr>
-              <a:t>Δευτέρα – 17 Μαρτίου 2014</a:t>
+              <a:t>Δευτέρα – 17 Φεβρουαρίου</a:t>
+            </a:r>
+            <a:r>
+              <a:rPr lang="en-US" sz="4000">
+                <a:solidFill>
+                  <a:srgbClr val="d2533c"/>
+                </a:solidFill>
+                <a:latin typeface="Arial"/>
+              </a:rPr>
+              <a:t> 2014</a:t>
             </a:r>
             <a:endParaRPr/>
           </a:p>
@@ -6617,7 +6626,7 @@
               <a:buChar char=""/>
             </a:pPr>
             <a:r>
-              <a:rPr lang="en-US" sz="2400">
+              <a:rPr lang="en-US" sz="3200">
                 <a:solidFill>
                   <a:srgbClr val="292934"/>
                 </a:solidFill>
@@ -6637,7 +6646,7 @@
               <a:buChar char=""/>
             </a:pPr>
             <a:r>
-              <a:rPr lang="en-US" sz="2400">
+              <a:rPr lang="en-US" sz="3200">
                 <a:solidFill>
                   <a:srgbClr val="292934"/>
                 </a:solidFill>
@@ -6657,7 +6666,7 @@
               <a:buChar char=""/>
             </a:pPr>
             <a:r>
-              <a:rPr lang="en-US" sz="2400">
+              <a:rPr lang="en-US" sz="3200">
                 <a:solidFill>
                   <a:srgbClr val="292934"/>
                 </a:solidFill>
@@ -6677,7 +6686,7 @@
               <a:buChar char=""/>
             </a:pPr>
             <a:r>
-              <a:rPr lang="en-US" sz="2400">
+              <a:rPr lang="en-US" sz="3200">
                 <a:solidFill>
                   <a:srgbClr val="292934"/>
                 </a:solidFill>
@@ -6768,7 +6777,16 @@
                 </a:solidFill>
                 <a:latin typeface="Arial"/>
               </a:rPr>
-              <a:t>Τρίτη – 18 Μαρτίου 2014</a:t>
+              <a:t>Τρίτη – 18 Φεβρουαρίου</a:t>
+            </a:r>
+            <a:r>
+              <a:rPr lang="en-US" sz="4000">
+                <a:solidFill>
+                  <a:srgbClr val="d2533c"/>
+                </a:solidFill>
+                <a:latin typeface="Arial"/>
+              </a:rPr>
+              <a:t> 2014</a:t>
             </a:r>
             <a:endParaRPr/>
           </a:p>
@@ -6801,7 +6819,7 @@
               <a:buChar char=""/>
             </a:pPr>
             <a:r>
-              <a:rPr lang="en-US" sz="2400">
+              <a:rPr lang="en-US" sz="3200">
                 <a:solidFill>
                   <a:srgbClr val="292934"/>
                 </a:solidFill>
@@ -6821,7 +6839,7 @@
               <a:buChar char=""/>
             </a:pPr>
             <a:r>
-              <a:rPr lang="en-US" sz="2400">
+              <a:rPr lang="en-US" sz="3200">
                 <a:solidFill>
                   <a:srgbClr val="292934"/>
                 </a:solidFill>
@@ -6841,7 +6859,7 @@
               <a:buChar char=""/>
             </a:pPr>
             <a:r>
-              <a:rPr lang="en-US" sz="2400">
+              <a:rPr lang="en-US" sz="3200">
                 <a:solidFill>
                   <a:srgbClr val="292934"/>
                 </a:solidFill>
@@ -6861,7 +6879,7 @@
               <a:buChar char=""/>
             </a:pPr>
             <a:r>
-              <a:rPr lang="en-US" sz="2400">
+              <a:rPr lang="en-US" sz="3200">
                 <a:solidFill>
                   <a:srgbClr val="292934"/>
                 </a:solidFill>
@@ -6963,7 +6981,16 @@
                 </a:solidFill>
                 <a:latin typeface="Arial"/>
               </a:rPr>
-              <a:t>Τετάρτη – 19 Μαρτίου 2014</a:t>
+              <a:t>Τετάρτη – 19 Φεβρουαρίου</a:t>
+            </a:r>
+            <a:r>
+              <a:rPr lang="en-US" sz="4000">
+                <a:solidFill>
+                  <a:srgbClr val="d2533c"/>
+                </a:solidFill>
+                <a:latin typeface="Arial"/>
+              </a:rPr>
+              <a:t> 2014</a:t>
             </a:r>
             <a:endParaRPr/>
           </a:p>
@@ -6996,7 +7023,7 @@
               <a:buChar char=""/>
             </a:pPr>
             <a:r>
-              <a:rPr lang="en-US" sz="2400">
+              <a:rPr lang="en-US" sz="3200">
                 <a:solidFill>
                   <a:srgbClr val="292934"/>
                 </a:solidFill>
@@ -7016,7 +7043,7 @@
               <a:buChar char=""/>
             </a:pPr>
             <a:r>
-              <a:rPr lang="en-US" sz="2400">
+              <a:rPr lang="en-US" sz="3200">
                 <a:solidFill>
                   <a:srgbClr val="292934"/>
                 </a:solidFill>
@@ -7036,7 +7063,7 @@
               <a:buChar char=""/>
             </a:pPr>
             <a:r>
-              <a:rPr lang="en-US" sz="2400">
+              <a:rPr lang="en-US" sz="3200">
                 <a:solidFill>
                   <a:srgbClr val="292934"/>
                 </a:solidFill>
@@ -7138,7 +7165,16 @@
                 </a:solidFill>
                 <a:latin typeface="Arial"/>
               </a:rPr>
-              <a:t>Παρασκευή – 21 Μαρτίου 2014</a:t>
+              <a:t>Παρασκευή – 21 Φεβρουαρίου</a:t>
+            </a:r>
+            <a:r>
+              <a:rPr lang="en-US" sz="4000">
+                <a:solidFill>
+                  <a:srgbClr val="d2533c"/>
+                </a:solidFill>
+                <a:latin typeface="Arial"/>
+              </a:rPr>
+              <a:t> 2014</a:t>
             </a:r>
             <a:endParaRPr/>
           </a:p>
@@ -7171,7 +7207,7 @@
               <a:buChar char=""/>
             </a:pPr>
             <a:r>
-              <a:rPr lang="en-US" sz="2400">
+              <a:rPr lang="en-US" sz="3200">
                 <a:solidFill>
                   <a:srgbClr val="292934"/>
                 </a:solidFill>
@@ -7191,7 +7227,7 @@
               <a:buChar char=""/>
             </a:pPr>
             <a:r>
-              <a:rPr lang="en-US" sz="2400">
+              <a:rPr lang="en-US" sz="3200">
                 <a:solidFill>
                   <a:srgbClr val="292934"/>
                 </a:solidFill>
@@ -7211,7 +7247,7 @@
               <a:buChar char=""/>
             </a:pPr>
             <a:r>
-              <a:rPr lang="en-US" sz="2400">
+              <a:rPr lang="en-US" sz="3200">
                 <a:solidFill>
                   <a:srgbClr val="292934"/>
                 </a:solidFill>

--- a/slides/00_administrativa.pptx
+++ b/slides/00_administrativa.pptx
@@ -3670,7 +3670,7 @@
                 <a:spcPct val="100000"/>
               </a:lnSpc>
             </a:pPr>
-            <a:fld id="{51E59084-04CC-4F8A-8BB2-F64AFC111938}" type="slidenum">
+            <a:fld id="{EF27669A-8C09-4E80-B9C8-4B2E7517BE4B}" type="slidenum">
               <a:rPr b="1" lang="en-US" sz="1400">
                 <a:solidFill>
                   <a:srgbClr val="ffffff"/>
@@ -4256,7 +4256,7 @@
                 <a:spcPct val="100000"/>
               </a:lnSpc>
             </a:pPr>
-            <a:fld id="{6D8B749A-59B8-407E-8247-CABCC651DF5A}" type="slidenum">
+            <a:fld id="{3326D112-88C0-4C4A-A5D3-9C6D2928DD19}" type="slidenum">
               <a:rPr b="1" lang="en-US" sz="1400">
                 <a:solidFill>
                   <a:srgbClr val="ffffff"/>
@@ -5220,7 +5220,7 @@
                 <a:spcPct val="100000"/>
               </a:lnSpc>
             </a:pPr>
-            <a:fld id="{C9C3536B-ED79-4E0C-9C3C-45F383FDFA2D}" type="slidenum">
+            <a:fld id="{B321247D-25DC-4CB7-80DE-74F17D7DF554}" type="slidenum">
               <a:rPr b="1" lang="en-US" sz="2400">
                 <a:solidFill>
                   <a:srgbClr val="ffffff"/>
@@ -6420,26 +6420,6 @@
                 <a:latin typeface="Arial"/>
               </a:rPr>
               <a:t>Βασικές έννοιες κρυπτογραφίας</a:t>
-            </a:r>
-            <a:endParaRPr/>
-          </a:p>
-          <a:p>
-            <a:pPr>
-              <a:lnSpc>
-                <a:spcPct val="100000"/>
-              </a:lnSpc>
-              <a:buSzPct val="25000"/>
-              <a:buFont typeface="Arial"/>
-              <a:buChar char="•"/>
-            </a:pPr>
-            <a:r>
-              <a:rPr lang="en-US" sz="3200">
-                <a:solidFill>
-                  <a:srgbClr val="292934"/>
-                </a:solidFill>
-                <a:latin typeface="Arial"/>
-              </a:rPr>
-              <a:t>PKI</a:t>
             </a:r>
             <a:endParaRPr/>
           </a:p>

--- a/slides/00_administrativa.pptx
+++ b/slides/00_administrativa.pptx
@@ -3670,7 +3670,7 @@
                 <a:spcPct val="100000"/>
               </a:lnSpc>
             </a:pPr>
-            <a:fld id="{EF27669A-8C09-4E80-B9C8-4B2E7517BE4B}" type="slidenum">
+            <a:fld id="{BD2A8A7D-27C0-4E43-BE9C-A884EF11B651}" type="slidenum">
               <a:rPr b="1" lang="en-US" sz="1400">
                 <a:solidFill>
                   <a:srgbClr val="ffffff"/>
@@ -4256,7 +4256,7 @@
                 <a:spcPct val="100000"/>
               </a:lnSpc>
             </a:pPr>
-            <a:fld id="{3326D112-88C0-4C4A-A5D3-9C6D2928DD19}" type="slidenum">
+            <a:fld id="{713858FC-FD88-492A-A667-957B065757BF}" type="slidenum">
               <a:rPr b="1" lang="en-US" sz="1400">
                 <a:solidFill>
                   <a:srgbClr val="ffffff"/>
@@ -5220,7 +5220,7 @@
                 <a:spcPct val="100000"/>
               </a:lnSpc>
             </a:pPr>
-            <a:fld id="{B321247D-25DC-4CB7-80DE-74F17D7DF554}" type="slidenum">
+            <a:fld id="{C1FAFE61-4294-4C61-ABB0-F508F6477D1B}" type="slidenum">
               <a:rPr b="1" lang="en-US" sz="2400">
                 <a:solidFill>
                   <a:srgbClr val="ffffff"/>
@@ -5560,15 +5560,6 @@
               <a:buFont typeface="StarSymbol"/>
               <a:buChar char=""/>
             </a:pPr>
-            <a:r>
-              <a:rPr lang="en-US" sz="3200">
-                <a:solidFill>
-                  <a:srgbClr val="292934"/>
-                </a:solidFill>
-                <a:latin typeface="Arial"/>
-              </a:rPr>
-              <a:t> </a:t>
-            </a:r>
             <a:endParaRPr/>
           </a:p>
           <a:p>
@@ -5731,7 +5722,7 @@
                 </a:solidFill>
                 <a:latin typeface="Arial"/>
               </a:rPr>
-              <a:t>Το τελευταίο τρίμηνο ήταν security team του Twitter</a:t>
+              <a:t>Το τελευταίο τρίμηνο ήταν στο security team του Twitter</a:t>
             </a:r>
             <a:endParaRPr/>
           </a:p>
